--- a/Data 824 Final Project.pptx
+++ b/Data 824 Final Project.pptx
@@ -7,12 +7,14 @@
   <p:sldIdLst>
     <p:sldId id="256" r:id="rId2"/>
     <p:sldId id="258" r:id="rId3"/>
-    <p:sldId id="257" r:id="rId4"/>
-    <p:sldId id="260" r:id="rId5"/>
-    <p:sldId id="261" r:id="rId6"/>
-    <p:sldId id="263" r:id="rId7"/>
-    <p:sldId id="262" r:id="rId8"/>
-    <p:sldId id="264" r:id="rId9"/>
+    <p:sldId id="265" r:id="rId4"/>
+    <p:sldId id="266" r:id="rId5"/>
+    <p:sldId id="263" r:id="rId6"/>
+    <p:sldId id="257" r:id="rId7"/>
+    <p:sldId id="260" r:id="rId8"/>
+    <p:sldId id="261" r:id="rId9"/>
+    <p:sldId id="262" r:id="rId10"/>
+    <p:sldId id="264" r:id="rId11"/>
   </p:sldIdLst>
   <p:sldSz cx="12192000" cy="6858000"/>
   <p:notesSz cx="6858000" cy="9144000"/>
@@ -111,6 +113,11 @@
       </a:defRPr>
     </a:lvl9pPr>
   </p:defaultTextStyle>
+  <p:extLst>
+    <p:ext uri="{EFAFB233-063F-42B5-8137-9DF3F51BA10A}">
+      <p15:sldGuideLst xmlns:p15="http://schemas.microsoft.com/office/powerpoint/2012/main"/>
+    </p:ext>
+  </p:extLst>
 </p:presentation>
 </file>
 
@@ -446,7 +453,7 @@
             <a:fld id="{B61BEF0D-F0BB-DE4B-95CE-6DB70DBA9567}" type="datetimeFigureOut">
               <a:rPr lang="en-US" dirty="0"/>
               <a:pPr/>
-              <a:t>7/14/2024</a:t>
+              <a:t>7/16/2024</a:t>
             </a:fld>
             <a:endParaRPr lang="en-US" dirty="0"/>
           </a:p>
@@ -767,7 +774,7 @@
             <a:fld id="{B61BEF0D-F0BB-DE4B-95CE-6DB70DBA9567}" type="datetimeFigureOut">
               <a:rPr lang="en-US" dirty="0"/>
               <a:pPr/>
-              <a:t>7/14/2024</a:t>
+              <a:t>7/16/2024</a:t>
             </a:fld>
             <a:endParaRPr lang="en-US" dirty="0"/>
           </a:p>
@@ -1012,7 +1019,7 @@
             <a:fld id="{B61BEF0D-F0BB-DE4B-95CE-6DB70DBA9567}" type="datetimeFigureOut">
               <a:rPr lang="en-US" dirty="0"/>
               <a:pPr/>
-              <a:t>7/14/2024</a:t>
+              <a:t>7/16/2024</a:t>
             </a:fld>
             <a:endParaRPr lang="en-US" dirty="0"/>
           </a:p>
@@ -1348,7 +1355,7 @@
             <a:fld id="{B61BEF0D-F0BB-DE4B-95CE-6DB70DBA9567}" type="datetimeFigureOut">
               <a:rPr lang="en-US" dirty="0"/>
               <a:pPr/>
-              <a:t>7/14/2024</a:t>
+              <a:t>7/16/2024</a:t>
             </a:fld>
             <a:endParaRPr lang="en-US" dirty="0"/>
           </a:p>
@@ -1692,7 +1699,7 @@
             <a:fld id="{B61BEF0D-F0BB-DE4B-95CE-6DB70DBA9567}" type="datetimeFigureOut">
               <a:rPr lang="en-US" dirty="0"/>
               <a:pPr/>
-              <a:t>7/14/2024</a:t>
+              <a:t>7/16/2024</a:t>
             </a:fld>
             <a:endParaRPr lang="en-US" dirty="0"/>
           </a:p>
@@ -2063,7 +2070,7 @@
             <a:fld id="{B61BEF0D-F0BB-DE4B-95CE-6DB70DBA9567}" type="datetimeFigureOut">
               <a:rPr lang="en-US" dirty="0"/>
               <a:pPr/>
-              <a:t>7/14/2024</a:t>
+              <a:t>7/16/2024</a:t>
             </a:fld>
             <a:endParaRPr lang="en-US" dirty="0"/>
           </a:p>
@@ -2530,7 +2537,7 @@
             <a:fld id="{B61BEF0D-F0BB-DE4B-95CE-6DB70DBA9567}" type="datetimeFigureOut">
               <a:rPr lang="en-US" dirty="0"/>
               <a:pPr/>
-              <a:t>7/14/2024</a:t>
+              <a:t>7/16/2024</a:t>
             </a:fld>
             <a:endParaRPr lang="en-US" dirty="0"/>
           </a:p>
@@ -2732,7 +2739,7 @@
             <a:fld id="{B61BEF0D-F0BB-DE4B-95CE-6DB70DBA9567}" type="datetimeFigureOut">
               <a:rPr lang="en-US" dirty="0"/>
               <a:pPr/>
-              <a:t>7/14/2024</a:t>
+              <a:t>7/16/2024</a:t>
             </a:fld>
             <a:endParaRPr lang="en-US" dirty="0"/>
           </a:p>
@@ -2940,7 +2947,7 @@
             <a:fld id="{B61BEF0D-F0BB-DE4B-95CE-6DB70DBA9567}" type="datetimeFigureOut">
               <a:rPr lang="en-US" dirty="0"/>
               <a:pPr/>
-              <a:t>7/14/2024</a:t>
+              <a:t>7/16/2024</a:t>
             </a:fld>
             <a:endParaRPr lang="en-US" dirty="0"/>
           </a:p>
@@ -3168,7 +3175,7 @@
           <a:p>
             <a:fld id="{52647F38-B617-4D2F-AE0A-013F0C4D2C57}" type="datetimeFigureOut">
               <a:rPr lang="en-US" dirty="0"/>
-              <a:t>7/14/2024</a:t>
+              <a:t>7/16/2024</a:t>
             </a:fld>
             <a:endParaRPr lang="en-US" dirty="0"/>
           </a:p>
@@ -3412,7 +3419,7 @@
             <a:fld id="{B61BEF0D-F0BB-DE4B-95CE-6DB70DBA9567}" type="datetimeFigureOut">
               <a:rPr lang="en-US" dirty="0"/>
               <a:pPr/>
-              <a:t>7/14/2024</a:t>
+              <a:t>7/16/2024</a:t>
             </a:fld>
             <a:endParaRPr lang="en-US" dirty="0"/>
           </a:p>
@@ -3706,7 +3713,7 @@
           <a:p>
             <a:fld id="{05BFA754-D5C3-4E66-96A6-867B257F58DC}" type="datetimeFigureOut">
               <a:rPr lang="en-US" dirty="0"/>
-              <a:t>7/14/2024</a:t>
+              <a:t>7/16/2024</a:t>
             </a:fld>
             <a:endParaRPr lang="en-US" dirty="0"/>
           </a:p>
@@ -4096,7 +4103,7 @@
             <a:fld id="{B61BEF0D-F0BB-DE4B-95CE-6DB70DBA9567}" type="datetimeFigureOut">
               <a:rPr lang="en-US" dirty="0"/>
               <a:pPr/>
-              <a:t>7/14/2024</a:t>
+              <a:t>7/16/2024</a:t>
             </a:fld>
             <a:endParaRPr lang="en-US" dirty="0"/>
           </a:p>
@@ -4242,7 +4249,7 @@
             <a:fld id="{B61BEF0D-F0BB-DE4B-95CE-6DB70DBA9567}" type="datetimeFigureOut">
               <a:rPr lang="en-US" dirty="0"/>
               <a:pPr/>
-              <a:t>7/14/2024</a:t>
+              <a:t>7/16/2024</a:t>
             </a:fld>
             <a:endParaRPr lang="en-US" dirty="0"/>
           </a:p>
@@ -4365,7 +4372,7 @@
             <a:fld id="{B61BEF0D-F0BB-DE4B-95CE-6DB70DBA9567}" type="datetimeFigureOut">
               <a:rPr lang="en-US" dirty="0"/>
               <a:pPr/>
-              <a:t>7/14/2024</a:t>
+              <a:t>7/16/2024</a:t>
             </a:fld>
             <a:endParaRPr lang="en-US" dirty="0"/>
           </a:p>
@@ -4617,7 +4624,7 @@
             <a:fld id="{B61BEF0D-F0BB-DE4B-95CE-6DB70DBA9567}" type="datetimeFigureOut">
               <a:rPr lang="en-US" dirty="0"/>
               <a:pPr/>
-              <a:t>7/14/2024</a:t>
+              <a:t>7/16/2024</a:t>
             </a:fld>
             <a:endParaRPr lang="en-US" dirty="0"/>
           </a:p>
@@ -4929,7 +4936,7 @@
             <a:fld id="{B61BEF0D-F0BB-DE4B-95CE-6DB70DBA9567}" type="datetimeFigureOut">
               <a:rPr lang="en-US" dirty="0"/>
               <a:pPr/>
-              <a:t>7/14/2024</a:t>
+              <a:t>7/16/2024</a:t>
             </a:fld>
             <a:endParaRPr lang="en-US" dirty="0"/>
           </a:p>
@@ -5277,7 +5284,7 @@
             <a:fld id="{B61BEF0D-F0BB-DE4B-95CE-6DB70DBA9567}" type="datetimeFigureOut">
               <a:rPr lang="en-US" dirty="0"/>
               <a:pPr/>
-              <a:t>7/14/2024</a:t>
+              <a:t>7/16/2024</a:t>
             </a:fld>
             <a:endParaRPr lang="en-US" dirty="0"/>
           </a:p>
@@ -5885,6 +5892,115 @@
 </p:sld>
 </file>
 
+<file path=ppt/slides/slide10.xml><?xml version="1.0" encoding="utf-8"?>
+<p:sld xmlns:a="http://schemas.openxmlformats.org/drawingml/2006/main" xmlns:r="http://schemas.openxmlformats.org/officeDocument/2006/relationships" xmlns:p="http://schemas.openxmlformats.org/presentationml/2006/main">
+  <p:cSld>
+    <p:spTree>
+      <p:nvGrpSpPr>
+        <p:cNvPr id="1" name=""/>
+        <p:cNvGrpSpPr/>
+        <p:nvPr/>
+      </p:nvGrpSpPr>
+      <p:grpSpPr>
+        <a:xfrm>
+          <a:off x="0" y="0"/>
+          <a:ext cx="0" cy="0"/>
+          <a:chOff x="0" y="0"/>
+          <a:chExt cx="0" cy="0"/>
+        </a:xfrm>
+      </p:grpSpPr>
+      <p:sp>
+        <p:nvSpPr>
+          <p:cNvPr id="2" name="Title 1">
+            <a:extLst>
+              <a:ext uri="{FF2B5EF4-FFF2-40B4-BE49-F238E27FC236}">
+                <a16:creationId xmlns:a16="http://schemas.microsoft.com/office/drawing/2014/main" id="{02D9F7F6-15D3-9BE1-AD0B-6E491471EF7C}"/>
+              </a:ext>
+            </a:extLst>
+          </p:cNvPr>
+          <p:cNvSpPr>
+            <a:spLocks noGrp="1"/>
+          </p:cNvSpPr>
+          <p:nvPr>
+            <p:ph type="title"/>
+          </p:nvPr>
+        </p:nvSpPr>
+        <p:spPr/>
+        <p:txBody>
+          <a:bodyPr/>
+          <a:lstStyle/>
+          <a:p>
+            <a:r>
+              <a:rPr lang="en-US" dirty="0"/>
+              <a:t>Sources</a:t>
+            </a:r>
+          </a:p>
+        </p:txBody>
+      </p:sp>
+      <p:sp>
+        <p:nvSpPr>
+          <p:cNvPr id="5" name="TextBox 4">
+            <a:extLst>
+              <a:ext uri="{FF2B5EF4-FFF2-40B4-BE49-F238E27FC236}">
+                <a16:creationId xmlns:a16="http://schemas.microsoft.com/office/drawing/2014/main" id="{4229F0B8-0DCE-1FFC-CED0-215FF8B07689}"/>
+              </a:ext>
+            </a:extLst>
+          </p:cNvPr>
+          <p:cNvSpPr txBox="1"/>
+          <p:nvPr/>
+        </p:nvSpPr>
+        <p:spPr>
+          <a:xfrm>
+            <a:off x="1295402" y="2604052"/>
+            <a:ext cx="9601196" cy="923330"/>
+          </a:xfrm>
+          <a:prstGeom prst="rect">
+            <a:avLst/>
+          </a:prstGeom>
+          <a:noFill/>
+        </p:spPr>
+        <p:txBody>
+          <a:bodyPr wrap="square" rtlCol="0">
+            <a:spAutoFit/>
+          </a:bodyPr>
+          <a:lstStyle/>
+          <a:p>
+            <a:pPr lvl="1"/>
+            <a:r>
+              <a:rPr lang="en-US" dirty="0"/>
+              <a:t>Dataset : </a:t>
+            </a:r>
+            <a:r>
+              <a:rPr lang="en-US" dirty="0" err="1"/>
+              <a:t>Kimmons</a:t>
+            </a:r>
+            <a:r>
+              <a:rPr lang="en-US" dirty="0"/>
+              <a:t> R (2018). Students Performance in Exams [Fictional dataset]. https://www.kaggle.com/datasets/spscientist/students-performance-in-exams/data</a:t>
+            </a:r>
+          </a:p>
+          <a:p>
+            <a:pPr marL="285750" indent="-285750">
+              <a:buFont typeface="Arial" panose="020B0604020202020204" pitchFamily="34" charset="0"/>
+              <a:buChar char="•"/>
+            </a:pPr>
+            <a:endParaRPr lang="en-US" dirty="0"/>
+          </a:p>
+        </p:txBody>
+      </p:sp>
+    </p:spTree>
+    <p:extLst>
+      <p:ext uri="{BB962C8B-B14F-4D97-AF65-F5344CB8AC3E}">
+        <p14:creationId xmlns:p14="http://schemas.microsoft.com/office/powerpoint/2010/main" val="2496700090"/>
+      </p:ext>
+    </p:extLst>
+  </p:cSld>
+  <p:clrMapOvr>
+    <a:masterClrMapping/>
+  </p:clrMapOvr>
+</p:sld>
+</file>
+
 <file path=ppt/slides/slide2.xml><?xml version="1.0" encoding="utf-8"?>
 <p:sld xmlns:a="http://schemas.openxmlformats.org/drawingml/2006/main" xmlns:r="http://schemas.openxmlformats.org/officeDocument/2006/relationships" xmlns:p="http://schemas.openxmlformats.org/presentationml/2006/main">
   <p:cSld>
@@ -6186,15 +6302,6 @@
 <file path=ppt/slides/slide3.xml><?xml version="1.0" encoding="utf-8"?>
 <p:sld xmlns:a="http://schemas.openxmlformats.org/drawingml/2006/main" xmlns:r="http://schemas.openxmlformats.org/officeDocument/2006/relationships" xmlns:p="http://schemas.openxmlformats.org/presentationml/2006/main">
   <p:cSld>
-    <p:bg>
-      <p:bgPr>
-        <a:blipFill>
-          <a:blip r:embed="rId2"/>
-          <a:stretch/>
-        </a:blipFill>
-        <a:effectLst/>
-      </p:bgPr>
-    </p:bg>
     <p:spTree>
       <p:nvGrpSpPr>
         <p:cNvPr id="1" name=""/>
@@ -6214,7 +6321,7 @@
           <p:cNvPr id="2" name="Title 1">
             <a:extLst>
               <a:ext uri="{FF2B5EF4-FFF2-40B4-BE49-F238E27FC236}">
-                <a16:creationId xmlns:a16="http://schemas.microsoft.com/office/drawing/2014/main" id="{B82F8716-F90B-DE16-895E-29A2311CD58C}"/>
+                <a16:creationId xmlns:a16="http://schemas.microsoft.com/office/drawing/2014/main" id="{02D9F7F6-15D3-9BE1-AD0B-6E491471EF7C}"/>
               </a:ext>
             </a:extLst>
           </p:cNvPr>
@@ -6225,146 +6332,87 @@
             <p:ph type="title"/>
           </p:nvPr>
         </p:nvSpPr>
-        <p:spPr>
-          <a:xfrm>
-            <a:off x="1180101" y="982132"/>
-            <a:ext cx="6354633" cy="1303867"/>
-          </a:xfrm>
-        </p:spPr>
-        <p:txBody>
-          <a:bodyPr vert="horz" lIns="91440" tIns="45720" rIns="91440" bIns="45720" rtlCol="0" anchor="ctr">
-            <a:normAutofit/>
-          </a:bodyPr>
-          <a:lstStyle/>
-          <a:p>
-            <a:r>
-              <a:rPr lang="en-US" sz="4400" dirty="0"/>
-              <a:t>Data Visual 1</a:t>
-            </a:r>
-          </a:p>
-        </p:txBody>
-      </p:sp>
-      <p:pic>
-        <p:nvPicPr>
-          <p:cNvPr id="8" name="Content Placeholder 7">
+        <p:spPr/>
+        <p:txBody>
+          <a:bodyPr/>
+          <a:lstStyle/>
+          <a:p>
+            <a:r>
+              <a:rPr lang="en-US" dirty="0"/>
+              <a:t>Shiny App</a:t>
+            </a:r>
+          </a:p>
+        </p:txBody>
+      </p:sp>
+      <p:sp>
+        <p:nvSpPr>
+          <p:cNvPr id="5" name="TextBox 4">
             <a:extLst>
               <a:ext uri="{FF2B5EF4-FFF2-40B4-BE49-F238E27FC236}">
-                <a16:creationId xmlns:a16="http://schemas.microsoft.com/office/drawing/2014/main" id="{9651CEA8-AB2B-DF1B-14B2-887908E30813}"/>
+                <a16:creationId xmlns:a16="http://schemas.microsoft.com/office/drawing/2014/main" id="{4229F0B8-0DCE-1FFC-CED0-215FF8B07689}"/>
               </a:ext>
             </a:extLst>
           </p:cNvPr>
-          <p:cNvPicPr>
-            <a:picLocks noGrp="1" noChangeAspect="1"/>
-          </p:cNvPicPr>
-          <p:nvPr>
-            <p:ph idx="1"/>
-          </p:nvPr>
-        </p:nvPicPr>
-        <p:blipFill>
-          <a:blip r:embed="rId3"/>
-          <a:stretch>
-            <a:fillRect/>
-          </a:stretch>
-        </p:blipFill>
-        <p:spPr>
-          <a:xfrm>
-            <a:off x="8137325" y="1464216"/>
-            <a:ext cx="2839277" cy="1760352"/>
+          <p:cNvSpPr txBox="1"/>
+          <p:nvPr/>
+        </p:nvSpPr>
+        <p:spPr>
+          <a:xfrm>
+            <a:off x="4986132" y="2604052"/>
+            <a:ext cx="5910466" cy="2031325"/>
           </a:xfrm>
           <a:prstGeom prst="rect">
             <a:avLst/>
           </a:prstGeom>
-          <a:ln w="57150" cmpd="thickThin">
-            <a:noFill/>
-            <a:miter lim="800000"/>
-          </a:ln>
-        </p:spPr>
-      </p:pic>
-      <p:sp>
-        <p:nvSpPr>
-          <p:cNvPr id="4" name="Text Placeholder 3">
+          <a:noFill/>
+        </p:spPr>
+        <p:txBody>
+          <a:bodyPr wrap="square" rtlCol="0">
+            <a:spAutoFit/>
+          </a:bodyPr>
+          <a:lstStyle/>
+          <a:p>
+            <a:pPr marL="285750" indent="-285750">
+              <a:buFont typeface="Arial" panose="020B0604020202020204" pitchFamily="34" charset="0"/>
+              <a:buChar char="•"/>
+            </a:pPr>
+            <a:r>
+              <a:rPr lang="en-US" dirty="0"/>
+              <a:t>Can compare up to 3 bar charts that are filtered on 5 different parameters that will update their respective charts based on filter selection</a:t>
+            </a:r>
+          </a:p>
+          <a:p>
+            <a:pPr marL="285750" indent="-285750">
+              <a:buFont typeface="Arial" panose="020B0604020202020204" pitchFamily="34" charset="0"/>
+              <a:buChar char="•"/>
+            </a:pPr>
+            <a:r>
+              <a:rPr lang="en-US" dirty="0"/>
+              <a:t>Options include all unique values within each parameters vector within the original data frame.</a:t>
+            </a:r>
+          </a:p>
+          <a:p>
+            <a:pPr marL="285750" indent="-285750">
+              <a:buFont typeface="Arial" panose="020B0604020202020204" pitchFamily="34" charset="0"/>
+              <a:buChar char="•"/>
+            </a:pPr>
+            <a:endParaRPr lang="en-US" dirty="0"/>
+          </a:p>
+          <a:p>
+            <a:pPr marL="285750" indent="-285750">
+              <a:buFont typeface="Arial" panose="020B0604020202020204" pitchFamily="34" charset="0"/>
+              <a:buChar char="•"/>
+            </a:pPr>
+            <a:endParaRPr lang="en-US" dirty="0"/>
+          </a:p>
+        </p:txBody>
+      </p:sp>
+      <p:pic>
+        <p:nvPicPr>
+          <p:cNvPr id="6" name="Picture 5">
             <a:extLst>
               <a:ext uri="{FF2B5EF4-FFF2-40B4-BE49-F238E27FC236}">
-                <a16:creationId xmlns:a16="http://schemas.microsoft.com/office/drawing/2014/main" id="{8D9A22B1-F319-D17A-51E5-334A0C66C065}"/>
-              </a:ext>
-            </a:extLst>
-          </p:cNvPr>
-          <p:cNvSpPr>
-            <a:spLocks noGrp="1"/>
-          </p:cNvSpPr>
-          <p:nvPr>
-            <p:ph type="body" sz="half" idx="2"/>
-          </p:nvPr>
-        </p:nvSpPr>
-        <p:spPr>
-          <a:xfrm>
-            <a:off x="1081246" y="2961123"/>
-            <a:ext cx="6380065" cy="3318936"/>
-          </a:xfrm>
-        </p:spPr>
-        <p:txBody>
-          <a:bodyPr vert="horz" lIns="91440" tIns="45720" rIns="91440" bIns="45720" rtlCol="0" anchor="t">
-            <a:normAutofit/>
-          </a:bodyPr>
-          <a:lstStyle/>
-          <a:p>
-            <a:pPr algn="l">
-              <a:buFont typeface="Arial"/>
-              <a:buChar char="•"/>
-            </a:pPr>
-            <a:r>
-              <a:rPr lang="en-US" dirty="0"/>
-              <a:t> We compare lunch accessibility of ‘Free/Reduced’ vs. ‘Standard’ Lunch groups.</a:t>
-            </a:r>
-          </a:p>
-          <a:p>
-            <a:pPr algn="l">
-              <a:buFont typeface="Arial"/>
-              <a:buChar char="•"/>
-            </a:pPr>
-            <a:r>
-              <a:rPr lang="en-US" dirty="0"/>
-              <a:t> Test scores decrease overall when the student is on free/reduced lunch compared to standard.</a:t>
-            </a:r>
-          </a:p>
-          <a:p>
-            <a:pPr algn="l">
-              <a:buFont typeface="Arial"/>
-              <a:buChar char="•"/>
-            </a:pPr>
-            <a:r>
-              <a:rPr lang="en-US" dirty="0"/>
-              <a:t> This doesn’t mean those who eat free/reduced lunch are not as smart as those who don’t but may be a larger issue with poverty.</a:t>
-            </a:r>
-          </a:p>
-          <a:p>
-            <a:pPr algn="l">
-              <a:buFont typeface="Arial"/>
-              <a:buChar char="•"/>
-            </a:pPr>
-            <a:r>
-              <a:rPr lang="en-US" dirty="0"/>
-              <a:t>Those on lunch programs tend to have their basic needs met less often than those who aren’t as low income is often seen as a cause for lower education.</a:t>
-            </a:r>
-          </a:p>
-          <a:p>
-            <a:pPr algn="l">
-              <a:buFont typeface="Arial"/>
-              <a:buChar char="•"/>
-            </a:pPr>
-            <a:r>
-              <a:rPr lang="en-US" dirty="0"/>
-              <a:t>As a result of this, there may be reason to further investigate income of families against educational outcomes of those students.</a:t>
-            </a:r>
-          </a:p>
-        </p:txBody>
-      </p:sp>
-      <p:pic>
-        <p:nvPicPr>
-          <p:cNvPr id="10" name="Picture 9">
-            <a:extLst>
-              <a:ext uri="{FF2B5EF4-FFF2-40B4-BE49-F238E27FC236}">
-                <a16:creationId xmlns:a16="http://schemas.microsoft.com/office/drawing/2014/main" id="{52ED68E7-6A14-254D-7405-562C7C6B725E}"/>
+                <a16:creationId xmlns:a16="http://schemas.microsoft.com/office/drawing/2014/main" id="{124AF015-546A-85CF-8AC0-DDC3130396B3}"/>
               </a:ext>
             </a:extLst>
           </p:cNvPr>
@@ -6374,29 +6422,25 @@
           <p:nvPr/>
         </p:nvPicPr>
         <p:blipFill>
-          <a:blip r:embed="rId4"/>
+          <a:blip r:embed="rId2"/>
           <a:stretch>
             <a:fillRect/>
           </a:stretch>
         </p:blipFill>
         <p:spPr>
           <a:xfrm>
-            <a:off x="8135453" y="3631646"/>
-            <a:ext cx="2843021" cy="1712920"/>
+            <a:off x="1277087" y="2641541"/>
+            <a:ext cx="3709045" cy="1932154"/>
           </a:xfrm>
           <a:prstGeom prst="rect">
             <a:avLst/>
           </a:prstGeom>
-          <a:ln w="57150" cmpd="thickThin">
-            <a:noFill/>
-            <a:miter lim="800000"/>
-          </a:ln>
         </p:spPr>
       </p:pic>
     </p:spTree>
     <p:extLst>
       <p:ext uri="{BB962C8B-B14F-4D97-AF65-F5344CB8AC3E}">
-        <p14:creationId xmlns:p14="http://schemas.microsoft.com/office/powerpoint/2010/main" val="3969085794"/>
+        <p14:creationId xmlns:p14="http://schemas.microsoft.com/office/powerpoint/2010/main" val="964569595"/>
       </p:ext>
     </p:extLst>
   </p:cSld>
@@ -6409,15 +6453,6 @@
 <file path=ppt/slides/slide4.xml><?xml version="1.0" encoding="utf-8"?>
 <p:sld xmlns:a="http://schemas.openxmlformats.org/drawingml/2006/main" xmlns:r="http://schemas.openxmlformats.org/officeDocument/2006/relationships" xmlns:p="http://schemas.openxmlformats.org/presentationml/2006/main">
   <p:cSld>
-    <p:bg>
-      <p:bgPr>
-        <a:blipFill>
-          <a:blip r:embed="rId2"/>
-          <a:stretch/>
-        </a:blipFill>
-        <a:effectLst/>
-      </p:bgPr>
-    </p:bg>
     <p:spTree>
       <p:nvGrpSpPr>
         <p:cNvPr id="1" name=""/>
@@ -6437,7 +6472,7 @@
           <p:cNvPr id="2" name="Title 1">
             <a:extLst>
               <a:ext uri="{FF2B5EF4-FFF2-40B4-BE49-F238E27FC236}">
-                <a16:creationId xmlns:a16="http://schemas.microsoft.com/office/drawing/2014/main" id="{B82F8716-F90B-DE16-895E-29A2311CD58C}"/>
+                <a16:creationId xmlns:a16="http://schemas.microsoft.com/office/drawing/2014/main" id="{02D9F7F6-15D3-9BE1-AD0B-6E491471EF7C}"/>
               </a:ext>
             </a:extLst>
           </p:cNvPr>
@@ -6448,122 +6483,107 @@
             <p:ph type="title"/>
           </p:nvPr>
         </p:nvSpPr>
-        <p:spPr>
-          <a:xfrm>
-            <a:off x="4626508" y="982132"/>
-            <a:ext cx="6270090" cy="1303867"/>
-          </a:xfrm>
-        </p:spPr>
-        <p:txBody>
-          <a:bodyPr vert="horz" lIns="91440" tIns="45720" rIns="91440" bIns="45720" rtlCol="0" anchor="ctr">
-            <a:normAutofit/>
-          </a:bodyPr>
-          <a:lstStyle/>
-          <a:p>
-            <a:r>
-              <a:rPr lang="en-US" sz="4400"/>
-              <a:t>Data Visual 2</a:t>
-            </a:r>
-          </a:p>
-        </p:txBody>
-      </p:sp>
-      <p:pic>
-        <p:nvPicPr>
-          <p:cNvPr id="6" name="Content Placeholder 5">
+        <p:spPr/>
+        <p:txBody>
+          <a:bodyPr/>
+          <a:lstStyle/>
+          <a:p>
+            <a:r>
+              <a:rPr lang="en-US" dirty="0"/>
+              <a:t>Shiny App</a:t>
+            </a:r>
+          </a:p>
+        </p:txBody>
+      </p:sp>
+      <p:sp>
+        <p:nvSpPr>
+          <p:cNvPr id="5" name="TextBox 4">
             <a:extLst>
               <a:ext uri="{FF2B5EF4-FFF2-40B4-BE49-F238E27FC236}">
-                <a16:creationId xmlns:a16="http://schemas.microsoft.com/office/drawing/2014/main" id="{FB6999E9-C2A7-16B8-1585-6B887A526590}"/>
+                <a16:creationId xmlns:a16="http://schemas.microsoft.com/office/drawing/2014/main" id="{4229F0B8-0DCE-1FFC-CED0-215FF8B07689}"/>
               </a:ext>
             </a:extLst>
           </p:cNvPr>
-          <p:cNvPicPr>
-            <a:picLocks noGrp="1" noChangeAspect="1"/>
-          </p:cNvPicPr>
-          <p:nvPr>
-            <p:ph idx="1"/>
-          </p:nvPr>
-        </p:nvPicPr>
-        <p:blipFill>
-          <a:blip r:embed="rId3"/>
-          <a:stretch>
-            <a:fillRect/>
-          </a:stretch>
-        </p:blipFill>
-        <p:spPr>
-          <a:xfrm>
-            <a:off x="1257236" y="3533309"/>
-            <a:ext cx="2743200" cy="1659636"/>
+          <p:cNvSpPr txBox="1"/>
+          <p:nvPr/>
+        </p:nvSpPr>
+        <p:spPr>
+          <a:xfrm>
+            <a:off x="4986132" y="2604052"/>
+            <a:ext cx="5910466" cy="2585323"/>
           </a:xfrm>
           <a:prstGeom prst="rect">
             <a:avLst/>
           </a:prstGeom>
-        </p:spPr>
-      </p:pic>
-      <p:sp>
-        <p:nvSpPr>
-          <p:cNvPr id="4" name="Text Placeholder 3">
+          <a:noFill/>
+        </p:spPr>
+        <p:txBody>
+          <a:bodyPr wrap="square" rtlCol="0">
+            <a:spAutoFit/>
+          </a:bodyPr>
+          <a:lstStyle/>
+          <a:p>
+            <a:pPr marL="285750" indent="-285750">
+              <a:buFont typeface="Arial" panose="020B0604020202020204" pitchFamily="34" charset="0"/>
+              <a:buChar char="•"/>
+            </a:pPr>
+            <a:r>
+              <a:rPr lang="en-US" dirty="0"/>
+              <a:t>3 separate graphs are updated based on filters.</a:t>
+            </a:r>
+          </a:p>
+          <a:p>
+            <a:pPr marL="285750" indent="-285750">
+              <a:buFont typeface="Arial" panose="020B0604020202020204" pitchFamily="34" charset="0"/>
+              <a:buChar char="•"/>
+            </a:pPr>
+            <a:r>
+              <a:rPr lang="en-US" dirty="0"/>
+              <a:t>Includes the title for Average Test Scores and the size of students being measured based on filters.</a:t>
+            </a:r>
+          </a:p>
+          <a:p>
+            <a:pPr marL="285750" indent="-285750">
+              <a:buFont typeface="Arial" panose="020B0604020202020204" pitchFamily="34" charset="0"/>
+              <a:buChar char="•"/>
+            </a:pPr>
+            <a:r>
+              <a:rPr lang="en-US" dirty="0"/>
+              <a:t>Color coordinated exam types with average test scores for each filtered item.</a:t>
+            </a:r>
+          </a:p>
+          <a:p>
+            <a:pPr marL="285750" indent="-285750">
+              <a:buFont typeface="Arial" panose="020B0604020202020204" pitchFamily="34" charset="0"/>
+              <a:buChar char="•"/>
+            </a:pPr>
+            <a:r>
+              <a:rPr lang="en-US" dirty="0"/>
+              <a:t>Inclusion of labels for each filter selected for easier portrayal of chart.</a:t>
+            </a:r>
+          </a:p>
+          <a:p>
+            <a:pPr marL="285750" indent="-285750">
+              <a:buFont typeface="Arial" panose="020B0604020202020204" pitchFamily="34" charset="0"/>
+              <a:buChar char="•"/>
+            </a:pPr>
+            <a:endParaRPr lang="en-US" dirty="0"/>
+          </a:p>
+          <a:p>
+            <a:pPr marL="285750" indent="-285750">
+              <a:buFont typeface="Arial" panose="020B0604020202020204" pitchFamily="34" charset="0"/>
+              <a:buChar char="•"/>
+            </a:pPr>
+            <a:endParaRPr lang="en-US" dirty="0"/>
+          </a:p>
+        </p:txBody>
+      </p:sp>
+      <p:pic>
+        <p:nvPicPr>
+          <p:cNvPr id="4" name="Picture 3">
             <a:extLst>
               <a:ext uri="{FF2B5EF4-FFF2-40B4-BE49-F238E27FC236}">
-                <a16:creationId xmlns:a16="http://schemas.microsoft.com/office/drawing/2014/main" id="{8D9A22B1-F319-D17A-51E5-334A0C66C065}"/>
-              </a:ext>
-            </a:extLst>
-          </p:cNvPr>
-          <p:cNvSpPr>
-            <a:spLocks noGrp="1"/>
-          </p:cNvSpPr>
-          <p:nvPr>
-            <p:ph type="body" sz="half" idx="2"/>
-          </p:nvPr>
-        </p:nvSpPr>
-        <p:spPr>
-          <a:xfrm>
-            <a:off x="4636484" y="3007506"/>
-            <a:ext cx="6260114" cy="3318936"/>
-          </a:xfrm>
-        </p:spPr>
-        <p:txBody>
-          <a:bodyPr vert="horz" lIns="91440" tIns="45720" rIns="91440" bIns="45720" rtlCol="0" anchor="t">
-            <a:normAutofit/>
-          </a:bodyPr>
-          <a:lstStyle/>
-          <a:p>
-            <a:pPr algn="l">
-              <a:buFont typeface="Arial"/>
-              <a:buChar char="•"/>
-            </a:pPr>
-            <a:r>
-              <a:rPr lang="en-US" dirty="0"/>
-              <a:t> We compare Test Preparation vs. No Test Preparation among student's exam scores.</a:t>
-            </a:r>
-          </a:p>
-          <a:p>
-            <a:pPr algn="l">
-              <a:buFont typeface="Arial"/>
-              <a:buChar char="•"/>
-            </a:pPr>
-            <a:r>
-              <a:rPr lang="en-US" dirty="0"/>
-              <a:t> In our plots to the left, we find those who had test prep score higher overall on each exam compared to those who did not.</a:t>
-            </a:r>
-          </a:p>
-          <a:p>
-            <a:pPr algn="l">
-              <a:buFont typeface="Arial"/>
-              <a:buChar char="•"/>
-            </a:pPr>
-            <a:r>
-              <a:rPr lang="en-US" dirty="0"/>
-              <a:t> Similar to the mention of poverty on the previous slide, we could potentially attribute this test prep class to those who have the ability to pay for it, resulting in those in lower income brackets may score lower on exams.</a:t>
-            </a:r>
-          </a:p>
-        </p:txBody>
-      </p:sp>
-      <p:pic>
-        <p:nvPicPr>
-          <p:cNvPr id="8" name="Picture 7">
-            <a:extLst>
-              <a:ext uri="{FF2B5EF4-FFF2-40B4-BE49-F238E27FC236}">
-                <a16:creationId xmlns:a16="http://schemas.microsoft.com/office/drawing/2014/main" id="{2BAA74C2-A972-D2A5-F64A-6F3BE9045F27}"/>
+                <a16:creationId xmlns:a16="http://schemas.microsoft.com/office/drawing/2014/main" id="{79A1E04A-D462-5839-73E0-F50DD50A1E47}"/>
               </a:ext>
             </a:extLst>
           </p:cNvPr>
@@ -6573,15 +6593,15 @@
           <p:nvPr/>
         </p:nvPicPr>
         <p:blipFill>
-          <a:blip r:embed="rId4"/>
+          <a:blip r:embed="rId2"/>
           <a:stretch>
             <a:fillRect/>
           </a:stretch>
         </p:blipFill>
         <p:spPr>
           <a:xfrm>
-            <a:off x="1257236" y="1681649"/>
-            <a:ext cx="2743200" cy="1687067"/>
+            <a:off x="1088601" y="2804160"/>
+            <a:ext cx="3822617" cy="2352380"/>
           </a:xfrm>
           <a:prstGeom prst="rect">
             <a:avLst/>
@@ -6591,7 +6611,7 @@
     </p:spTree>
     <p:extLst>
       <p:ext uri="{BB962C8B-B14F-4D97-AF65-F5344CB8AC3E}">
-        <p14:creationId xmlns:p14="http://schemas.microsoft.com/office/powerpoint/2010/main" val="3346570721"/>
+        <p14:creationId xmlns:p14="http://schemas.microsoft.com/office/powerpoint/2010/main" val="2165161374"/>
       </p:ext>
     </p:extLst>
   </p:cSld>
@@ -6602,231 +6622,6 @@
 </file>
 
 <file path=ppt/slides/slide5.xml><?xml version="1.0" encoding="utf-8"?>
-<p:sld xmlns:a="http://schemas.openxmlformats.org/drawingml/2006/main" xmlns:r="http://schemas.openxmlformats.org/officeDocument/2006/relationships" xmlns:p="http://schemas.openxmlformats.org/presentationml/2006/main">
-  <p:cSld>
-    <p:bg>
-      <p:bgPr>
-        <a:blipFill>
-          <a:blip r:embed="rId2"/>
-          <a:stretch/>
-        </a:blipFill>
-        <a:effectLst/>
-      </p:bgPr>
-    </p:bg>
-    <p:spTree>
-      <p:nvGrpSpPr>
-        <p:cNvPr id="1" name=""/>
-        <p:cNvGrpSpPr/>
-        <p:nvPr/>
-      </p:nvGrpSpPr>
-      <p:grpSpPr>
-        <a:xfrm>
-          <a:off x="0" y="0"/>
-          <a:ext cx="0" cy="0"/>
-          <a:chOff x="0" y="0"/>
-          <a:chExt cx="0" cy="0"/>
-        </a:xfrm>
-      </p:grpSpPr>
-      <p:sp>
-        <p:nvSpPr>
-          <p:cNvPr id="2" name="Title 1">
-            <a:extLst>
-              <a:ext uri="{FF2B5EF4-FFF2-40B4-BE49-F238E27FC236}">
-                <a16:creationId xmlns:a16="http://schemas.microsoft.com/office/drawing/2014/main" id="{B82F8716-F90B-DE16-895E-29A2311CD58C}"/>
-              </a:ext>
-            </a:extLst>
-          </p:cNvPr>
-          <p:cNvSpPr>
-            <a:spLocks noGrp="1"/>
-          </p:cNvSpPr>
-          <p:nvPr>
-            <p:ph type="title"/>
-          </p:nvPr>
-        </p:nvSpPr>
-        <p:spPr>
-          <a:xfrm>
-            <a:off x="1170564" y="982132"/>
-            <a:ext cx="4667015" cy="1303867"/>
-          </a:xfrm>
-        </p:spPr>
-        <p:txBody>
-          <a:bodyPr vert="horz" lIns="91440" tIns="45720" rIns="91440" bIns="45720" rtlCol="0" anchor="ctr">
-            <a:normAutofit/>
-          </a:bodyPr>
-          <a:lstStyle/>
-          <a:p>
-            <a:r>
-              <a:rPr lang="en-US" sz="4400"/>
-              <a:t>Data Visual 3</a:t>
-            </a:r>
-          </a:p>
-        </p:txBody>
-      </p:sp>
-      <p:pic>
-        <p:nvPicPr>
-          <p:cNvPr id="6" name="Content Placeholder 5">
-            <a:extLst>
-              <a:ext uri="{FF2B5EF4-FFF2-40B4-BE49-F238E27FC236}">
-                <a16:creationId xmlns:a16="http://schemas.microsoft.com/office/drawing/2014/main" id="{39AE1FA0-DEBF-FBE9-19A4-D5D1548663B1}"/>
-              </a:ext>
-            </a:extLst>
-          </p:cNvPr>
-          <p:cNvPicPr>
-            <a:picLocks noGrp="1" noChangeAspect="1"/>
-          </p:cNvPicPr>
-          <p:nvPr>
-            <p:ph idx="1"/>
-          </p:nvPr>
-        </p:nvPicPr>
-        <p:blipFill>
-          <a:blip r:embed="rId3"/>
-          <a:stretch>
-            <a:fillRect/>
-          </a:stretch>
-        </p:blipFill>
-        <p:spPr>
-          <a:xfrm>
-            <a:off x="6246640" y="926893"/>
-            <a:ext cx="2771392" cy="1676692"/>
-          </a:xfrm>
-          <a:prstGeom prst="rect">
-            <a:avLst/>
-          </a:prstGeom>
-        </p:spPr>
-      </p:pic>
-      <p:sp>
-        <p:nvSpPr>
-          <p:cNvPr id="4" name="Text Placeholder 3">
-            <a:extLst>
-              <a:ext uri="{FF2B5EF4-FFF2-40B4-BE49-F238E27FC236}">
-                <a16:creationId xmlns:a16="http://schemas.microsoft.com/office/drawing/2014/main" id="{8D9A22B1-F319-D17A-51E5-334A0C66C065}"/>
-              </a:ext>
-            </a:extLst>
-          </p:cNvPr>
-          <p:cNvSpPr>
-            <a:spLocks noGrp="1"/>
-          </p:cNvSpPr>
-          <p:nvPr>
-            <p:ph type="body" sz="half" idx="2"/>
-          </p:nvPr>
-        </p:nvSpPr>
-        <p:spPr>
-          <a:xfrm>
-            <a:off x="1164206" y="2912534"/>
-            <a:ext cx="4673373" cy="3318936"/>
-          </a:xfrm>
-        </p:spPr>
-        <p:txBody>
-          <a:bodyPr vert="horz" lIns="91440" tIns="45720" rIns="91440" bIns="45720" rtlCol="0" anchor="t">
-            <a:normAutofit lnSpcReduction="10000"/>
-          </a:bodyPr>
-          <a:lstStyle/>
-          <a:p>
-            <a:pPr algn="l">
-              <a:buFont typeface="Arial"/>
-              <a:buChar char="•"/>
-            </a:pPr>
-            <a:r>
-              <a:rPr lang="en-US" sz="1800" dirty="0"/>
-              <a:t> We compare the highest education parents of students have attained, High School vs. Bachelor’s vs. Master’s.</a:t>
-            </a:r>
-          </a:p>
-          <a:p>
-            <a:pPr algn="l">
-              <a:buFont typeface="Arial"/>
-              <a:buChar char="•"/>
-            </a:pPr>
-            <a:r>
-              <a:rPr lang="en-US" sz="1800" dirty="0"/>
-              <a:t> We find a large jump (7 to 11 points) between High School to Bachelor’s while not so large of a jump (0.5 to 2 points) between Bachelor’s and Master’s.</a:t>
-            </a:r>
-          </a:p>
-          <a:p>
-            <a:pPr algn="l">
-              <a:buFont typeface="Arial"/>
-              <a:buChar char="•"/>
-            </a:pPr>
-            <a:r>
-              <a:rPr lang="en-US" sz="1800" dirty="0"/>
-              <a:t> From this, we find that lower educated families often result in lower test scores for their children with a potentially exponential curve that flattens as a higher degree is attained by a student's parent.</a:t>
-            </a:r>
-          </a:p>
-        </p:txBody>
-      </p:sp>
-      <p:pic>
-        <p:nvPicPr>
-          <p:cNvPr id="10" name="Picture 9">
-            <a:extLst>
-              <a:ext uri="{FF2B5EF4-FFF2-40B4-BE49-F238E27FC236}">
-                <a16:creationId xmlns:a16="http://schemas.microsoft.com/office/drawing/2014/main" id="{CAC3545B-8344-CB71-2FC8-F730E71CABA8}"/>
-              </a:ext>
-            </a:extLst>
-          </p:cNvPr>
-          <p:cNvPicPr>
-            <a:picLocks noChangeAspect="1"/>
-          </p:cNvPicPr>
-          <p:nvPr/>
-        </p:nvPicPr>
-        <p:blipFill>
-          <a:blip r:embed="rId4"/>
-          <a:stretch>
-            <a:fillRect/>
-          </a:stretch>
-        </p:blipFill>
-        <p:spPr>
-          <a:xfrm>
-            <a:off x="6246639" y="4436534"/>
-            <a:ext cx="2771393" cy="1683620"/>
-          </a:xfrm>
-          <a:prstGeom prst="rect">
-            <a:avLst/>
-          </a:prstGeom>
-        </p:spPr>
-      </p:pic>
-      <p:pic>
-        <p:nvPicPr>
-          <p:cNvPr id="8" name="Picture 7">
-            <a:extLst>
-              <a:ext uri="{FF2B5EF4-FFF2-40B4-BE49-F238E27FC236}">
-                <a16:creationId xmlns:a16="http://schemas.microsoft.com/office/drawing/2014/main" id="{AF49B305-6D10-4C3C-5320-5526D4E10610}"/>
-              </a:ext>
-            </a:extLst>
-          </p:cNvPr>
-          <p:cNvPicPr>
-            <a:picLocks noChangeAspect="1"/>
-          </p:cNvPicPr>
-          <p:nvPr/>
-        </p:nvPicPr>
-        <p:blipFill>
-          <a:blip r:embed="rId5"/>
-          <a:stretch>
-            <a:fillRect/>
-          </a:stretch>
-        </p:blipFill>
-        <p:spPr>
-          <a:xfrm>
-            <a:off x="8665467" y="2671321"/>
-            <a:ext cx="2771392" cy="1697477"/>
-          </a:xfrm>
-          <a:prstGeom prst="rect">
-            <a:avLst/>
-          </a:prstGeom>
-        </p:spPr>
-      </p:pic>
-    </p:spTree>
-    <p:extLst>
-      <p:ext uri="{BB962C8B-B14F-4D97-AF65-F5344CB8AC3E}">
-        <p14:creationId xmlns:p14="http://schemas.microsoft.com/office/powerpoint/2010/main" val="4236065682"/>
-      </p:ext>
-    </p:extLst>
-  </p:cSld>
-  <p:clrMapOvr>
-    <a:masterClrMapping/>
-  </p:clrMapOvr>
-</p:sld>
-</file>
-
-<file path=ppt/slides/slide6.xml><?xml version="1.0" encoding="utf-8"?>
 <p:sld xmlns:a="http://schemas.openxmlformats.org/drawingml/2006/main" xmlns:r="http://schemas.openxmlformats.org/officeDocument/2006/relationships" xmlns:p="http://schemas.openxmlformats.org/presentationml/2006/main">
   <p:cSld>
     <p:bg>
@@ -6874,14 +6669,50 @@
         </p:blipFill>
         <p:spPr>
           <a:xfrm>
-            <a:off x="634457" y="903037"/>
-            <a:ext cx="10923087" cy="5051927"/>
+            <a:off x="1811410" y="2011597"/>
+            <a:ext cx="8569179" cy="3963245"/>
           </a:xfrm>
           <a:prstGeom prst="rect">
             <a:avLst/>
           </a:prstGeom>
         </p:spPr>
       </p:pic>
+      <p:sp>
+        <p:nvSpPr>
+          <p:cNvPr id="2" name="TextBox 1">
+            <a:extLst>
+              <a:ext uri="{FF2B5EF4-FFF2-40B4-BE49-F238E27FC236}">
+                <a16:creationId xmlns:a16="http://schemas.microsoft.com/office/drawing/2014/main" id="{AD479392-DDEA-1676-7044-BF2BBB074844}"/>
+              </a:ext>
+            </a:extLst>
+          </p:cNvPr>
+          <p:cNvSpPr txBox="1"/>
+          <p:nvPr/>
+        </p:nvSpPr>
+        <p:spPr>
+          <a:xfrm>
+            <a:off x="1557129" y="883158"/>
+            <a:ext cx="9077739" cy="646331"/>
+          </a:xfrm>
+          <a:prstGeom prst="rect">
+            <a:avLst/>
+          </a:prstGeom>
+          <a:noFill/>
+        </p:spPr>
+        <p:txBody>
+          <a:bodyPr wrap="square" rtlCol="0">
+            <a:spAutoFit/>
+          </a:bodyPr>
+          <a:lstStyle/>
+          <a:p>
+            <a:pPr algn="ctr"/>
+            <a:r>
+              <a:rPr lang="en-US" sz="3600" dirty="0"/>
+              <a:t>Overall View of Shiny App</a:t>
+            </a:r>
+          </a:p>
+        </p:txBody>
+      </p:sp>
     </p:spTree>
     <p:extLst>
       <p:ext uri="{BB962C8B-B14F-4D97-AF65-F5344CB8AC3E}">
@@ -6895,7 +6726,650 @@
 </p:sld>
 </file>
 
+<file path=ppt/slides/slide6.xml><?xml version="1.0" encoding="utf-8"?>
+<p:sld xmlns:a="http://schemas.openxmlformats.org/drawingml/2006/main" xmlns:r="http://schemas.openxmlformats.org/officeDocument/2006/relationships" xmlns:p="http://schemas.openxmlformats.org/presentationml/2006/main">
+  <p:cSld>
+    <p:bg>
+      <p:bgPr>
+        <a:blipFill>
+          <a:blip r:embed="rId2"/>
+          <a:stretch/>
+        </a:blipFill>
+        <a:effectLst/>
+      </p:bgPr>
+    </p:bg>
+    <p:spTree>
+      <p:nvGrpSpPr>
+        <p:cNvPr id="1" name=""/>
+        <p:cNvGrpSpPr/>
+        <p:nvPr/>
+      </p:nvGrpSpPr>
+      <p:grpSpPr>
+        <a:xfrm>
+          <a:off x="0" y="0"/>
+          <a:ext cx="0" cy="0"/>
+          <a:chOff x="0" y="0"/>
+          <a:chExt cx="0" cy="0"/>
+        </a:xfrm>
+      </p:grpSpPr>
+      <p:sp>
+        <p:nvSpPr>
+          <p:cNvPr id="2" name="Title 1">
+            <a:extLst>
+              <a:ext uri="{FF2B5EF4-FFF2-40B4-BE49-F238E27FC236}">
+                <a16:creationId xmlns:a16="http://schemas.microsoft.com/office/drawing/2014/main" id="{B82F8716-F90B-DE16-895E-29A2311CD58C}"/>
+              </a:ext>
+            </a:extLst>
+          </p:cNvPr>
+          <p:cNvSpPr>
+            <a:spLocks noGrp="1"/>
+          </p:cNvSpPr>
+          <p:nvPr>
+            <p:ph type="title"/>
+          </p:nvPr>
+        </p:nvSpPr>
+        <p:spPr>
+          <a:xfrm>
+            <a:off x="1180101" y="982132"/>
+            <a:ext cx="6354633" cy="1303867"/>
+          </a:xfrm>
+        </p:spPr>
+        <p:txBody>
+          <a:bodyPr vert="horz" lIns="91440" tIns="45720" rIns="91440" bIns="45720" rtlCol="0" anchor="ctr">
+            <a:normAutofit/>
+          </a:bodyPr>
+          <a:lstStyle/>
+          <a:p>
+            <a:r>
+              <a:rPr lang="en-US" sz="4400" dirty="0"/>
+              <a:t>Data Visual 1</a:t>
+            </a:r>
+          </a:p>
+        </p:txBody>
+      </p:sp>
+      <p:pic>
+        <p:nvPicPr>
+          <p:cNvPr id="8" name="Content Placeholder 7">
+            <a:extLst>
+              <a:ext uri="{FF2B5EF4-FFF2-40B4-BE49-F238E27FC236}">
+                <a16:creationId xmlns:a16="http://schemas.microsoft.com/office/drawing/2014/main" id="{9651CEA8-AB2B-DF1B-14B2-887908E30813}"/>
+              </a:ext>
+            </a:extLst>
+          </p:cNvPr>
+          <p:cNvPicPr>
+            <a:picLocks noGrp="1" noChangeAspect="1"/>
+          </p:cNvPicPr>
+          <p:nvPr>
+            <p:ph idx="1"/>
+          </p:nvPr>
+        </p:nvPicPr>
+        <p:blipFill>
+          <a:blip r:embed="rId3"/>
+          <a:stretch>
+            <a:fillRect/>
+          </a:stretch>
+        </p:blipFill>
+        <p:spPr>
+          <a:xfrm>
+            <a:off x="8137325" y="1464216"/>
+            <a:ext cx="2839277" cy="1760352"/>
+          </a:xfrm>
+          <a:prstGeom prst="rect">
+            <a:avLst/>
+          </a:prstGeom>
+          <a:ln w="57150" cmpd="thickThin">
+            <a:noFill/>
+            <a:miter lim="800000"/>
+          </a:ln>
+        </p:spPr>
+      </p:pic>
+      <p:sp>
+        <p:nvSpPr>
+          <p:cNvPr id="4" name="Text Placeholder 3">
+            <a:extLst>
+              <a:ext uri="{FF2B5EF4-FFF2-40B4-BE49-F238E27FC236}">
+                <a16:creationId xmlns:a16="http://schemas.microsoft.com/office/drawing/2014/main" id="{8D9A22B1-F319-D17A-51E5-334A0C66C065}"/>
+              </a:ext>
+            </a:extLst>
+          </p:cNvPr>
+          <p:cNvSpPr>
+            <a:spLocks noGrp="1"/>
+          </p:cNvSpPr>
+          <p:nvPr>
+            <p:ph type="body" sz="half" idx="2"/>
+          </p:nvPr>
+        </p:nvSpPr>
+        <p:spPr>
+          <a:xfrm>
+            <a:off x="1081246" y="2961123"/>
+            <a:ext cx="6380065" cy="3318936"/>
+          </a:xfrm>
+        </p:spPr>
+        <p:txBody>
+          <a:bodyPr vert="horz" lIns="91440" tIns="45720" rIns="91440" bIns="45720" rtlCol="0" anchor="t">
+            <a:normAutofit/>
+          </a:bodyPr>
+          <a:lstStyle/>
+          <a:p>
+            <a:pPr algn="l">
+              <a:buFont typeface="Arial"/>
+              <a:buChar char="•"/>
+            </a:pPr>
+            <a:r>
+              <a:rPr lang="en-US" dirty="0"/>
+              <a:t> We compare lunch accessibility of ‘Free/Reduced’ vs. ‘Standard’ Lunch groups.</a:t>
+            </a:r>
+          </a:p>
+          <a:p>
+            <a:pPr algn="l">
+              <a:buFont typeface="Arial"/>
+              <a:buChar char="•"/>
+            </a:pPr>
+            <a:r>
+              <a:rPr lang="en-US" dirty="0"/>
+              <a:t> Test scores decrease overall when the student is on free/reduced lunch compared to standard.</a:t>
+            </a:r>
+          </a:p>
+          <a:p>
+            <a:pPr algn="l">
+              <a:buFont typeface="Arial"/>
+              <a:buChar char="•"/>
+            </a:pPr>
+            <a:r>
+              <a:rPr lang="en-US" dirty="0"/>
+              <a:t> This doesn’t mean those who eat free/reduced lunch are not as smart as those who don’t but may be a larger issue with poverty.</a:t>
+            </a:r>
+          </a:p>
+          <a:p>
+            <a:pPr algn="l">
+              <a:buFont typeface="Arial"/>
+              <a:buChar char="•"/>
+            </a:pPr>
+            <a:r>
+              <a:rPr lang="en-US" dirty="0"/>
+              <a:t>Those on lunch programs tend to have their basic needs met less often than those who aren’t as low income is often seen as a cause for lower education.</a:t>
+            </a:r>
+          </a:p>
+          <a:p>
+            <a:pPr algn="l">
+              <a:buFont typeface="Arial"/>
+              <a:buChar char="•"/>
+            </a:pPr>
+            <a:r>
+              <a:rPr lang="en-US" dirty="0"/>
+              <a:t>As a result of this, there may be reason to further investigate income of families against educational outcomes of those students.</a:t>
+            </a:r>
+          </a:p>
+        </p:txBody>
+      </p:sp>
+      <p:pic>
+        <p:nvPicPr>
+          <p:cNvPr id="10" name="Picture 9">
+            <a:extLst>
+              <a:ext uri="{FF2B5EF4-FFF2-40B4-BE49-F238E27FC236}">
+                <a16:creationId xmlns:a16="http://schemas.microsoft.com/office/drawing/2014/main" id="{52ED68E7-6A14-254D-7405-562C7C6B725E}"/>
+              </a:ext>
+            </a:extLst>
+          </p:cNvPr>
+          <p:cNvPicPr>
+            <a:picLocks noChangeAspect="1"/>
+          </p:cNvPicPr>
+          <p:nvPr/>
+        </p:nvPicPr>
+        <p:blipFill>
+          <a:blip r:embed="rId4"/>
+          <a:stretch>
+            <a:fillRect/>
+          </a:stretch>
+        </p:blipFill>
+        <p:spPr>
+          <a:xfrm>
+            <a:off x="8135453" y="3631646"/>
+            <a:ext cx="2843021" cy="1712920"/>
+          </a:xfrm>
+          <a:prstGeom prst="rect">
+            <a:avLst/>
+          </a:prstGeom>
+          <a:ln w="57150" cmpd="thickThin">
+            <a:noFill/>
+            <a:miter lim="800000"/>
+          </a:ln>
+        </p:spPr>
+      </p:pic>
+    </p:spTree>
+    <p:extLst>
+      <p:ext uri="{BB962C8B-B14F-4D97-AF65-F5344CB8AC3E}">
+        <p14:creationId xmlns:p14="http://schemas.microsoft.com/office/powerpoint/2010/main" val="3969085794"/>
+      </p:ext>
+    </p:extLst>
+  </p:cSld>
+  <p:clrMapOvr>
+    <a:masterClrMapping/>
+  </p:clrMapOvr>
+</p:sld>
+</file>
+
 <file path=ppt/slides/slide7.xml><?xml version="1.0" encoding="utf-8"?>
+<p:sld xmlns:a="http://schemas.openxmlformats.org/drawingml/2006/main" xmlns:r="http://schemas.openxmlformats.org/officeDocument/2006/relationships" xmlns:p="http://schemas.openxmlformats.org/presentationml/2006/main">
+  <p:cSld>
+    <p:bg>
+      <p:bgPr>
+        <a:blipFill>
+          <a:blip r:embed="rId2"/>
+          <a:stretch/>
+        </a:blipFill>
+        <a:effectLst/>
+      </p:bgPr>
+    </p:bg>
+    <p:spTree>
+      <p:nvGrpSpPr>
+        <p:cNvPr id="1" name=""/>
+        <p:cNvGrpSpPr/>
+        <p:nvPr/>
+      </p:nvGrpSpPr>
+      <p:grpSpPr>
+        <a:xfrm>
+          <a:off x="0" y="0"/>
+          <a:ext cx="0" cy="0"/>
+          <a:chOff x="0" y="0"/>
+          <a:chExt cx="0" cy="0"/>
+        </a:xfrm>
+      </p:grpSpPr>
+      <p:sp>
+        <p:nvSpPr>
+          <p:cNvPr id="2" name="Title 1">
+            <a:extLst>
+              <a:ext uri="{FF2B5EF4-FFF2-40B4-BE49-F238E27FC236}">
+                <a16:creationId xmlns:a16="http://schemas.microsoft.com/office/drawing/2014/main" id="{B82F8716-F90B-DE16-895E-29A2311CD58C}"/>
+              </a:ext>
+            </a:extLst>
+          </p:cNvPr>
+          <p:cNvSpPr>
+            <a:spLocks noGrp="1"/>
+          </p:cNvSpPr>
+          <p:nvPr>
+            <p:ph type="title"/>
+          </p:nvPr>
+        </p:nvSpPr>
+        <p:spPr>
+          <a:xfrm>
+            <a:off x="4626508" y="982132"/>
+            <a:ext cx="6270090" cy="1303867"/>
+          </a:xfrm>
+        </p:spPr>
+        <p:txBody>
+          <a:bodyPr vert="horz" lIns="91440" tIns="45720" rIns="91440" bIns="45720" rtlCol="0" anchor="ctr">
+            <a:normAutofit/>
+          </a:bodyPr>
+          <a:lstStyle/>
+          <a:p>
+            <a:r>
+              <a:rPr lang="en-US" sz="4400"/>
+              <a:t>Data Visual 2</a:t>
+            </a:r>
+          </a:p>
+        </p:txBody>
+      </p:sp>
+      <p:pic>
+        <p:nvPicPr>
+          <p:cNvPr id="6" name="Content Placeholder 5">
+            <a:extLst>
+              <a:ext uri="{FF2B5EF4-FFF2-40B4-BE49-F238E27FC236}">
+                <a16:creationId xmlns:a16="http://schemas.microsoft.com/office/drawing/2014/main" id="{FB6999E9-C2A7-16B8-1585-6B887A526590}"/>
+              </a:ext>
+            </a:extLst>
+          </p:cNvPr>
+          <p:cNvPicPr>
+            <a:picLocks noGrp="1" noChangeAspect="1"/>
+          </p:cNvPicPr>
+          <p:nvPr>
+            <p:ph idx="1"/>
+          </p:nvPr>
+        </p:nvPicPr>
+        <p:blipFill>
+          <a:blip r:embed="rId3"/>
+          <a:stretch>
+            <a:fillRect/>
+          </a:stretch>
+        </p:blipFill>
+        <p:spPr>
+          <a:xfrm>
+            <a:off x="1257236" y="3533309"/>
+            <a:ext cx="2743200" cy="1659636"/>
+          </a:xfrm>
+          <a:prstGeom prst="rect">
+            <a:avLst/>
+          </a:prstGeom>
+        </p:spPr>
+      </p:pic>
+      <p:sp>
+        <p:nvSpPr>
+          <p:cNvPr id="4" name="Text Placeholder 3">
+            <a:extLst>
+              <a:ext uri="{FF2B5EF4-FFF2-40B4-BE49-F238E27FC236}">
+                <a16:creationId xmlns:a16="http://schemas.microsoft.com/office/drawing/2014/main" id="{8D9A22B1-F319-D17A-51E5-334A0C66C065}"/>
+              </a:ext>
+            </a:extLst>
+          </p:cNvPr>
+          <p:cNvSpPr>
+            <a:spLocks noGrp="1"/>
+          </p:cNvSpPr>
+          <p:nvPr>
+            <p:ph type="body" sz="half" idx="2"/>
+          </p:nvPr>
+        </p:nvSpPr>
+        <p:spPr>
+          <a:xfrm>
+            <a:off x="4636484" y="3007506"/>
+            <a:ext cx="6260114" cy="3318936"/>
+          </a:xfrm>
+        </p:spPr>
+        <p:txBody>
+          <a:bodyPr vert="horz" lIns="91440" tIns="45720" rIns="91440" bIns="45720" rtlCol="0" anchor="t">
+            <a:normAutofit/>
+          </a:bodyPr>
+          <a:lstStyle/>
+          <a:p>
+            <a:pPr algn="l">
+              <a:buFont typeface="Arial"/>
+              <a:buChar char="•"/>
+            </a:pPr>
+            <a:r>
+              <a:rPr lang="en-US" dirty="0"/>
+              <a:t> We compare Test Preparation vs. No Test Preparation among student's exam scores.</a:t>
+            </a:r>
+          </a:p>
+          <a:p>
+            <a:pPr algn="l">
+              <a:buFont typeface="Arial"/>
+              <a:buChar char="•"/>
+            </a:pPr>
+            <a:r>
+              <a:rPr lang="en-US" dirty="0"/>
+              <a:t> In our plots to the left, we find those who had test prep score higher overall on each exam compared to those who did not.</a:t>
+            </a:r>
+          </a:p>
+          <a:p>
+            <a:pPr algn="l">
+              <a:buFont typeface="Arial"/>
+              <a:buChar char="•"/>
+            </a:pPr>
+            <a:r>
+              <a:rPr lang="en-US" dirty="0"/>
+              <a:t> Similar to the mention of poverty on the previous slide, we could potentially attribute this test prep class to those who have the ability to pay for it, resulting in those in lower income brackets may score lower on exams.</a:t>
+            </a:r>
+          </a:p>
+        </p:txBody>
+      </p:sp>
+      <p:pic>
+        <p:nvPicPr>
+          <p:cNvPr id="8" name="Picture 7">
+            <a:extLst>
+              <a:ext uri="{FF2B5EF4-FFF2-40B4-BE49-F238E27FC236}">
+                <a16:creationId xmlns:a16="http://schemas.microsoft.com/office/drawing/2014/main" id="{2BAA74C2-A972-D2A5-F64A-6F3BE9045F27}"/>
+              </a:ext>
+            </a:extLst>
+          </p:cNvPr>
+          <p:cNvPicPr>
+            <a:picLocks noChangeAspect="1"/>
+          </p:cNvPicPr>
+          <p:nvPr/>
+        </p:nvPicPr>
+        <p:blipFill>
+          <a:blip r:embed="rId4"/>
+          <a:stretch>
+            <a:fillRect/>
+          </a:stretch>
+        </p:blipFill>
+        <p:spPr>
+          <a:xfrm>
+            <a:off x="1257236" y="1681649"/>
+            <a:ext cx="2743200" cy="1687067"/>
+          </a:xfrm>
+          <a:prstGeom prst="rect">
+            <a:avLst/>
+          </a:prstGeom>
+        </p:spPr>
+      </p:pic>
+    </p:spTree>
+    <p:extLst>
+      <p:ext uri="{BB962C8B-B14F-4D97-AF65-F5344CB8AC3E}">
+        <p14:creationId xmlns:p14="http://schemas.microsoft.com/office/powerpoint/2010/main" val="3346570721"/>
+      </p:ext>
+    </p:extLst>
+  </p:cSld>
+  <p:clrMapOvr>
+    <a:masterClrMapping/>
+  </p:clrMapOvr>
+</p:sld>
+</file>
+
+<file path=ppt/slides/slide8.xml><?xml version="1.0" encoding="utf-8"?>
+<p:sld xmlns:a="http://schemas.openxmlformats.org/drawingml/2006/main" xmlns:r="http://schemas.openxmlformats.org/officeDocument/2006/relationships" xmlns:p="http://schemas.openxmlformats.org/presentationml/2006/main">
+  <p:cSld>
+    <p:bg>
+      <p:bgPr>
+        <a:blipFill>
+          <a:blip r:embed="rId2"/>
+          <a:stretch/>
+        </a:blipFill>
+        <a:effectLst/>
+      </p:bgPr>
+    </p:bg>
+    <p:spTree>
+      <p:nvGrpSpPr>
+        <p:cNvPr id="1" name=""/>
+        <p:cNvGrpSpPr/>
+        <p:nvPr/>
+      </p:nvGrpSpPr>
+      <p:grpSpPr>
+        <a:xfrm>
+          <a:off x="0" y="0"/>
+          <a:ext cx="0" cy="0"/>
+          <a:chOff x="0" y="0"/>
+          <a:chExt cx="0" cy="0"/>
+        </a:xfrm>
+      </p:grpSpPr>
+      <p:sp>
+        <p:nvSpPr>
+          <p:cNvPr id="2" name="Title 1">
+            <a:extLst>
+              <a:ext uri="{FF2B5EF4-FFF2-40B4-BE49-F238E27FC236}">
+                <a16:creationId xmlns:a16="http://schemas.microsoft.com/office/drawing/2014/main" id="{B82F8716-F90B-DE16-895E-29A2311CD58C}"/>
+              </a:ext>
+            </a:extLst>
+          </p:cNvPr>
+          <p:cNvSpPr>
+            <a:spLocks noGrp="1"/>
+          </p:cNvSpPr>
+          <p:nvPr>
+            <p:ph type="title"/>
+          </p:nvPr>
+        </p:nvSpPr>
+        <p:spPr>
+          <a:xfrm>
+            <a:off x="1170564" y="982132"/>
+            <a:ext cx="4667015" cy="1303867"/>
+          </a:xfrm>
+        </p:spPr>
+        <p:txBody>
+          <a:bodyPr vert="horz" lIns="91440" tIns="45720" rIns="91440" bIns="45720" rtlCol="0" anchor="ctr">
+            <a:normAutofit/>
+          </a:bodyPr>
+          <a:lstStyle/>
+          <a:p>
+            <a:r>
+              <a:rPr lang="en-US" sz="4400"/>
+              <a:t>Data Visual 3</a:t>
+            </a:r>
+          </a:p>
+        </p:txBody>
+      </p:sp>
+      <p:pic>
+        <p:nvPicPr>
+          <p:cNvPr id="6" name="Content Placeholder 5">
+            <a:extLst>
+              <a:ext uri="{FF2B5EF4-FFF2-40B4-BE49-F238E27FC236}">
+                <a16:creationId xmlns:a16="http://schemas.microsoft.com/office/drawing/2014/main" id="{39AE1FA0-DEBF-FBE9-19A4-D5D1548663B1}"/>
+              </a:ext>
+            </a:extLst>
+          </p:cNvPr>
+          <p:cNvPicPr>
+            <a:picLocks noGrp="1" noChangeAspect="1"/>
+          </p:cNvPicPr>
+          <p:nvPr>
+            <p:ph idx="1"/>
+          </p:nvPr>
+        </p:nvPicPr>
+        <p:blipFill>
+          <a:blip r:embed="rId3"/>
+          <a:stretch>
+            <a:fillRect/>
+          </a:stretch>
+        </p:blipFill>
+        <p:spPr>
+          <a:xfrm>
+            <a:off x="6246640" y="926893"/>
+            <a:ext cx="2771392" cy="1676692"/>
+          </a:xfrm>
+          <a:prstGeom prst="rect">
+            <a:avLst/>
+          </a:prstGeom>
+        </p:spPr>
+      </p:pic>
+      <p:sp>
+        <p:nvSpPr>
+          <p:cNvPr id="4" name="Text Placeholder 3">
+            <a:extLst>
+              <a:ext uri="{FF2B5EF4-FFF2-40B4-BE49-F238E27FC236}">
+                <a16:creationId xmlns:a16="http://schemas.microsoft.com/office/drawing/2014/main" id="{8D9A22B1-F319-D17A-51E5-334A0C66C065}"/>
+              </a:ext>
+            </a:extLst>
+          </p:cNvPr>
+          <p:cNvSpPr>
+            <a:spLocks noGrp="1"/>
+          </p:cNvSpPr>
+          <p:nvPr>
+            <p:ph type="body" sz="half" idx="2"/>
+          </p:nvPr>
+        </p:nvSpPr>
+        <p:spPr>
+          <a:xfrm>
+            <a:off x="1164206" y="2912534"/>
+            <a:ext cx="4673373" cy="3318936"/>
+          </a:xfrm>
+        </p:spPr>
+        <p:txBody>
+          <a:bodyPr vert="horz" lIns="91440" tIns="45720" rIns="91440" bIns="45720" rtlCol="0" anchor="t">
+            <a:normAutofit lnSpcReduction="10000"/>
+          </a:bodyPr>
+          <a:lstStyle/>
+          <a:p>
+            <a:pPr algn="l">
+              <a:buFont typeface="Arial"/>
+              <a:buChar char="•"/>
+            </a:pPr>
+            <a:r>
+              <a:rPr lang="en-US" sz="1800" dirty="0"/>
+              <a:t> We compare the highest education parents of students have attained, High School vs. Bachelor’s vs. Master’s.</a:t>
+            </a:r>
+          </a:p>
+          <a:p>
+            <a:pPr algn="l">
+              <a:buFont typeface="Arial"/>
+              <a:buChar char="•"/>
+            </a:pPr>
+            <a:r>
+              <a:rPr lang="en-US" sz="1800" dirty="0"/>
+              <a:t> We find a large jump (7 to 11 points) between High School to Bachelor’s while not so large of a jump (0.5 to 2 points) between Bachelor’s and Master’s.</a:t>
+            </a:r>
+          </a:p>
+          <a:p>
+            <a:pPr algn="l">
+              <a:buFont typeface="Arial"/>
+              <a:buChar char="•"/>
+            </a:pPr>
+            <a:r>
+              <a:rPr lang="en-US" sz="1800" dirty="0"/>
+              <a:t> From this, we find that lower educated families often result in lower test scores for their children with a potentially exponential curve that flattens as a higher degree is attained by a student's parent.</a:t>
+            </a:r>
+          </a:p>
+        </p:txBody>
+      </p:sp>
+      <p:pic>
+        <p:nvPicPr>
+          <p:cNvPr id="10" name="Picture 9">
+            <a:extLst>
+              <a:ext uri="{FF2B5EF4-FFF2-40B4-BE49-F238E27FC236}">
+                <a16:creationId xmlns:a16="http://schemas.microsoft.com/office/drawing/2014/main" id="{CAC3545B-8344-CB71-2FC8-F730E71CABA8}"/>
+              </a:ext>
+            </a:extLst>
+          </p:cNvPr>
+          <p:cNvPicPr>
+            <a:picLocks noChangeAspect="1"/>
+          </p:cNvPicPr>
+          <p:nvPr/>
+        </p:nvPicPr>
+        <p:blipFill>
+          <a:blip r:embed="rId4"/>
+          <a:stretch>
+            <a:fillRect/>
+          </a:stretch>
+        </p:blipFill>
+        <p:spPr>
+          <a:xfrm>
+            <a:off x="6246639" y="4436534"/>
+            <a:ext cx="2771393" cy="1683620"/>
+          </a:xfrm>
+          <a:prstGeom prst="rect">
+            <a:avLst/>
+          </a:prstGeom>
+        </p:spPr>
+      </p:pic>
+      <p:pic>
+        <p:nvPicPr>
+          <p:cNvPr id="8" name="Picture 7">
+            <a:extLst>
+              <a:ext uri="{FF2B5EF4-FFF2-40B4-BE49-F238E27FC236}">
+                <a16:creationId xmlns:a16="http://schemas.microsoft.com/office/drawing/2014/main" id="{AF49B305-6D10-4C3C-5320-5526D4E10610}"/>
+              </a:ext>
+            </a:extLst>
+          </p:cNvPr>
+          <p:cNvPicPr>
+            <a:picLocks noChangeAspect="1"/>
+          </p:cNvPicPr>
+          <p:nvPr/>
+        </p:nvPicPr>
+        <p:blipFill>
+          <a:blip r:embed="rId5"/>
+          <a:stretch>
+            <a:fillRect/>
+          </a:stretch>
+        </p:blipFill>
+        <p:spPr>
+          <a:xfrm>
+            <a:off x="8665467" y="2671321"/>
+            <a:ext cx="2771392" cy="1697477"/>
+          </a:xfrm>
+          <a:prstGeom prst="rect">
+            <a:avLst/>
+          </a:prstGeom>
+        </p:spPr>
+      </p:pic>
+    </p:spTree>
+    <p:extLst>
+      <p:ext uri="{BB962C8B-B14F-4D97-AF65-F5344CB8AC3E}">
+        <p14:creationId xmlns:p14="http://schemas.microsoft.com/office/powerpoint/2010/main" val="4236065682"/>
+      </p:ext>
+    </p:extLst>
+  </p:cSld>
+  <p:clrMapOvr>
+    <a:masterClrMapping/>
+  </p:clrMapOvr>
+</p:sld>
+</file>
+
+<file path=ppt/slides/slide9.xml><?xml version="1.0" encoding="utf-8"?>
 <p:sld xmlns:a="http://schemas.openxmlformats.org/drawingml/2006/main" xmlns:r="http://schemas.openxmlformats.org/officeDocument/2006/relationships" xmlns:p="http://schemas.openxmlformats.org/presentationml/2006/main">
   <p:cSld>
     <p:spTree>
@@ -7043,115 +7517,6 @@
     <p:extLst>
       <p:ext uri="{BB962C8B-B14F-4D97-AF65-F5344CB8AC3E}">
         <p14:creationId xmlns:p14="http://schemas.microsoft.com/office/powerpoint/2010/main" val="1968288767"/>
-      </p:ext>
-    </p:extLst>
-  </p:cSld>
-  <p:clrMapOvr>
-    <a:masterClrMapping/>
-  </p:clrMapOvr>
-</p:sld>
-</file>
-
-<file path=ppt/slides/slide8.xml><?xml version="1.0" encoding="utf-8"?>
-<p:sld xmlns:a="http://schemas.openxmlformats.org/drawingml/2006/main" xmlns:r="http://schemas.openxmlformats.org/officeDocument/2006/relationships" xmlns:p="http://schemas.openxmlformats.org/presentationml/2006/main">
-  <p:cSld>
-    <p:spTree>
-      <p:nvGrpSpPr>
-        <p:cNvPr id="1" name=""/>
-        <p:cNvGrpSpPr/>
-        <p:nvPr/>
-      </p:nvGrpSpPr>
-      <p:grpSpPr>
-        <a:xfrm>
-          <a:off x="0" y="0"/>
-          <a:ext cx="0" cy="0"/>
-          <a:chOff x="0" y="0"/>
-          <a:chExt cx="0" cy="0"/>
-        </a:xfrm>
-      </p:grpSpPr>
-      <p:sp>
-        <p:nvSpPr>
-          <p:cNvPr id="2" name="Title 1">
-            <a:extLst>
-              <a:ext uri="{FF2B5EF4-FFF2-40B4-BE49-F238E27FC236}">
-                <a16:creationId xmlns:a16="http://schemas.microsoft.com/office/drawing/2014/main" id="{02D9F7F6-15D3-9BE1-AD0B-6E491471EF7C}"/>
-              </a:ext>
-            </a:extLst>
-          </p:cNvPr>
-          <p:cNvSpPr>
-            <a:spLocks noGrp="1"/>
-          </p:cNvSpPr>
-          <p:nvPr>
-            <p:ph type="title"/>
-          </p:nvPr>
-        </p:nvSpPr>
-        <p:spPr/>
-        <p:txBody>
-          <a:bodyPr/>
-          <a:lstStyle/>
-          <a:p>
-            <a:r>
-              <a:rPr lang="en-US" dirty="0"/>
-              <a:t>Sources</a:t>
-            </a:r>
-          </a:p>
-        </p:txBody>
-      </p:sp>
-      <p:sp>
-        <p:nvSpPr>
-          <p:cNvPr id="5" name="TextBox 4">
-            <a:extLst>
-              <a:ext uri="{FF2B5EF4-FFF2-40B4-BE49-F238E27FC236}">
-                <a16:creationId xmlns:a16="http://schemas.microsoft.com/office/drawing/2014/main" id="{4229F0B8-0DCE-1FFC-CED0-215FF8B07689}"/>
-              </a:ext>
-            </a:extLst>
-          </p:cNvPr>
-          <p:cNvSpPr txBox="1"/>
-          <p:nvPr/>
-        </p:nvSpPr>
-        <p:spPr>
-          <a:xfrm>
-            <a:off x="1295402" y="2604052"/>
-            <a:ext cx="9601196" cy="923330"/>
-          </a:xfrm>
-          <a:prstGeom prst="rect">
-            <a:avLst/>
-          </a:prstGeom>
-          <a:noFill/>
-        </p:spPr>
-        <p:txBody>
-          <a:bodyPr wrap="square" rtlCol="0">
-            <a:spAutoFit/>
-          </a:bodyPr>
-          <a:lstStyle/>
-          <a:p>
-            <a:pPr lvl="1"/>
-            <a:r>
-              <a:rPr lang="en-US" dirty="0"/>
-              <a:t>Dataset : </a:t>
-            </a:r>
-            <a:r>
-              <a:rPr lang="en-US" dirty="0" err="1"/>
-              <a:t>Kimmons</a:t>
-            </a:r>
-            <a:r>
-              <a:rPr lang="en-US" dirty="0"/>
-              <a:t> R (2018). Students Performance in Exams [Fictional dataset]. https://www.kaggle.com/datasets/spscientist/students-performance-in-exams/data</a:t>
-            </a:r>
-          </a:p>
-          <a:p>
-            <a:pPr marL="285750" indent="-285750">
-              <a:buFont typeface="Arial" panose="020B0604020202020204" pitchFamily="34" charset="0"/>
-              <a:buChar char="•"/>
-            </a:pPr>
-            <a:endParaRPr lang="en-US" dirty="0"/>
-          </a:p>
-        </p:txBody>
-      </p:sp>
-    </p:spTree>
-    <p:extLst>
-      <p:ext uri="{BB962C8B-B14F-4D97-AF65-F5344CB8AC3E}">
-        <p14:creationId xmlns:p14="http://schemas.microsoft.com/office/powerpoint/2010/main" val="2496700090"/>
       </p:ext>
     </p:extLst>
   </p:cSld>
